--- a/pptx/tutorial.pptx
+++ b/pptx/tutorial.pptx
@@ -245,7 +245,7 @@
           <a:p>
             <a:fld id="{4560B112-29A3-4A9F-961A-E3130A1FF813}" type="datetimeFigureOut">
               <a:rPr lang="zh-CN" altLang="en-US" smtClean="0"/>
-              <a:t>2020/5/11</a:t>
+              <a:t>2020/5/19</a:t>
             </a:fld>
             <a:endParaRPr lang="zh-CN" altLang="en-US"/>
           </a:p>
@@ -415,7 +415,7 @@
           <a:p>
             <a:fld id="{4560B112-29A3-4A9F-961A-E3130A1FF813}" type="datetimeFigureOut">
               <a:rPr lang="zh-CN" altLang="en-US" smtClean="0"/>
-              <a:t>2020/5/11</a:t>
+              <a:t>2020/5/19</a:t>
             </a:fld>
             <a:endParaRPr lang="zh-CN" altLang="en-US"/>
           </a:p>
@@ -595,7 +595,7 @@
           <a:p>
             <a:fld id="{4560B112-29A3-4A9F-961A-E3130A1FF813}" type="datetimeFigureOut">
               <a:rPr lang="zh-CN" altLang="en-US" smtClean="0"/>
-              <a:t>2020/5/11</a:t>
+              <a:t>2020/5/19</a:t>
             </a:fld>
             <a:endParaRPr lang="zh-CN" altLang="en-US"/>
           </a:p>
@@ -765,7 +765,7 @@
           <a:p>
             <a:fld id="{4560B112-29A3-4A9F-961A-E3130A1FF813}" type="datetimeFigureOut">
               <a:rPr lang="zh-CN" altLang="en-US" smtClean="0"/>
-              <a:t>2020/5/11</a:t>
+              <a:t>2020/5/19</a:t>
             </a:fld>
             <a:endParaRPr lang="zh-CN" altLang="en-US"/>
           </a:p>
@@ -1011,7 +1011,7 @@
           <a:p>
             <a:fld id="{4560B112-29A3-4A9F-961A-E3130A1FF813}" type="datetimeFigureOut">
               <a:rPr lang="zh-CN" altLang="en-US" smtClean="0"/>
-              <a:t>2020/5/11</a:t>
+              <a:t>2020/5/19</a:t>
             </a:fld>
             <a:endParaRPr lang="zh-CN" altLang="en-US"/>
           </a:p>
@@ -1243,7 +1243,7 @@
           <a:p>
             <a:fld id="{4560B112-29A3-4A9F-961A-E3130A1FF813}" type="datetimeFigureOut">
               <a:rPr lang="zh-CN" altLang="en-US" smtClean="0"/>
-              <a:t>2020/5/11</a:t>
+              <a:t>2020/5/19</a:t>
             </a:fld>
             <a:endParaRPr lang="zh-CN" altLang="en-US"/>
           </a:p>
@@ -1610,7 +1610,7 @@
           <a:p>
             <a:fld id="{4560B112-29A3-4A9F-961A-E3130A1FF813}" type="datetimeFigureOut">
               <a:rPr lang="zh-CN" altLang="en-US" smtClean="0"/>
-              <a:t>2020/5/11</a:t>
+              <a:t>2020/5/19</a:t>
             </a:fld>
             <a:endParaRPr lang="zh-CN" altLang="en-US"/>
           </a:p>
@@ -1728,7 +1728,7 @@
           <a:p>
             <a:fld id="{4560B112-29A3-4A9F-961A-E3130A1FF813}" type="datetimeFigureOut">
               <a:rPr lang="zh-CN" altLang="en-US" smtClean="0"/>
-              <a:t>2020/5/11</a:t>
+              <a:t>2020/5/19</a:t>
             </a:fld>
             <a:endParaRPr lang="zh-CN" altLang="en-US"/>
           </a:p>
@@ -1823,7 +1823,7 @@
           <a:p>
             <a:fld id="{4560B112-29A3-4A9F-961A-E3130A1FF813}" type="datetimeFigureOut">
               <a:rPr lang="zh-CN" altLang="en-US" smtClean="0"/>
-              <a:t>2020/5/11</a:t>
+              <a:t>2020/5/19</a:t>
             </a:fld>
             <a:endParaRPr lang="zh-CN" altLang="en-US"/>
           </a:p>
@@ -2100,7 +2100,7 @@
           <a:p>
             <a:fld id="{4560B112-29A3-4A9F-961A-E3130A1FF813}" type="datetimeFigureOut">
               <a:rPr lang="zh-CN" altLang="en-US" smtClean="0"/>
-              <a:t>2020/5/11</a:t>
+              <a:t>2020/5/19</a:t>
             </a:fld>
             <a:endParaRPr lang="zh-CN" altLang="en-US"/>
           </a:p>
@@ -2353,7 +2353,7 @@
           <a:p>
             <a:fld id="{4560B112-29A3-4A9F-961A-E3130A1FF813}" type="datetimeFigureOut">
               <a:rPr lang="zh-CN" altLang="en-US" smtClean="0"/>
-              <a:t>2020/5/11</a:t>
+              <a:t>2020/5/19</a:t>
             </a:fld>
             <a:endParaRPr lang="zh-CN" altLang="en-US"/>
           </a:p>
@@ -2566,7 +2566,7 @@
           <a:p>
             <a:fld id="{4560B112-29A3-4A9F-961A-E3130A1FF813}" type="datetimeFigureOut">
               <a:rPr lang="zh-CN" altLang="en-US" smtClean="0"/>
-              <a:t>2020/5/11</a:t>
+              <a:t>2020/5/19</a:t>
             </a:fld>
             <a:endParaRPr lang="zh-CN" altLang="en-US"/>
           </a:p>
@@ -2986,7 +2986,11 @@
           <a:bodyPr/>
           <a:lstStyle/>
           <a:p>
-            <a:endParaRPr lang="zh-CN" altLang="en-US"/>
+            <a:r>
+              <a:rPr lang="zh-CN" altLang="en-US" dirty="0" smtClean="0"/>
+              <a:t>还没做</a:t>
+            </a:r>
+            <a:endParaRPr lang="zh-CN" altLang="en-US" dirty="0"/>
           </a:p>
         </p:txBody>
       </p:sp>
@@ -3005,6 +3009,10 @@
           <a:bodyPr/>
           <a:lstStyle/>
           <a:p>
+            <a:r>
+              <a:rPr lang="zh-CN" altLang="en-US" smtClean="0"/>
+              <a:t>周五来听，谢谢大家</a:t>
+            </a:r>
             <a:endParaRPr lang="zh-CN" altLang="en-US"/>
           </a:p>
         </p:txBody>
